--- a/graphs_presentation.pptx
+++ b/graphs_presentation.pptx
@@ -5,11 +5,14 @@
     <p:sldMasterId id="2147483648" r:id="rId1"/>
   </p:sldMasterIdLst>
   <p:handoutMasterIdLst>
-    <p:handoutMasterId r:id="rId4"/>
+    <p:handoutMasterId r:id="rId7"/>
   </p:handoutMasterIdLst>
   <p:sldIdLst>
     <p:sldId id="256" r:id="rId2"/>
     <p:sldId id="257" r:id="rId3"/>
+    <p:sldId id="258" r:id="rId4"/>
+    <p:sldId id="259" r:id="rId5"/>
+    <p:sldId id="260" r:id="rId6"/>
   </p:sldIdLst>
   <p:sldSz cx="12192000" cy="6858000"/>
   <p:notesSz cx="6858000" cy="9144000"/>
@@ -318,10 +321,9 @@
           </a:lstStyle>
           <a:p>
             <a:r>
-              <a:rPr lang="en-US"/>
+              <a:rPr lang="en-US" dirty="0"/>
               <a:t>Click to edit Master title style</a:t>
             </a:r>
-            <a:endParaRPr lang="en-US"/>
           </a:p>
         </p:txBody>
       </p:sp>
@@ -851,10 +853,9 @@
           <a:lstStyle/>
           <a:p>
             <a:r>
-              <a:rPr lang="en-US"/>
+              <a:rPr lang="en-US" dirty="0"/>
               <a:t>Click to edit Master title style</a:t>
             </a:r>
-            <a:endParaRPr lang="en-US"/>
           </a:p>
         </p:txBody>
       </p:sp>
@@ -1023,16 +1024,15 @@
         <p:txBody>
           <a:bodyPr anchor="b"/>
           <a:lstStyle>
-            <a:lvl1pPr>
+            <a:lvl1pPr algn="ctr">
               <a:defRPr sz="6000"/>
             </a:lvl1pPr>
           </a:lstStyle>
           <a:p>
             <a:r>
-              <a:rPr lang="en-US"/>
+              <a:rPr lang="en-US" dirty="0"/>
               <a:t>Click to edit Master title style</a:t>
             </a:r>
-            <a:endParaRPr lang="en-US"/>
           </a:p>
         </p:txBody>
       </p:sp>
@@ -1295,38 +1295,37 @@
           <a:p>
             <a:pPr lvl="0"/>
             <a:r>
-              <a:rPr lang="en-US"/>
+              <a:rPr lang="en-US" dirty="0"/>
               <a:t>Edit Master text styles</a:t>
             </a:r>
           </a:p>
           <a:p>
             <a:pPr lvl="1"/>
             <a:r>
-              <a:rPr lang="en-US"/>
+              <a:rPr lang="en-US" dirty="0"/>
               <a:t>Second level</a:t>
             </a:r>
           </a:p>
           <a:p>
             <a:pPr lvl="2"/>
             <a:r>
-              <a:rPr lang="en-US"/>
+              <a:rPr lang="en-US" dirty="0"/>
               <a:t>Third level</a:t>
             </a:r>
           </a:p>
           <a:p>
             <a:pPr lvl="3"/>
             <a:r>
-              <a:rPr lang="en-US"/>
+              <a:rPr lang="en-US" dirty="0"/>
               <a:t>Fourth level</a:t>
             </a:r>
           </a:p>
           <a:p>
             <a:pPr lvl="4"/>
             <a:r>
-              <a:rPr lang="en-US"/>
+              <a:rPr lang="en-US" dirty="0"/>
               <a:t>Fifth level</a:t>
             </a:r>
-            <a:endParaRPr lang="en-US"/>
           </a:p>
         </p:txBody>
       </p:sp>
@@ -1494,8 +1493,8 @@
         </p:nvSpPr>
         <p:spPr>
           <a:xfrm>
-            <a:off x="839788" y="365125"/>
-            <a:ext cx="10515600" cy="1325563"/>
+            <a:off x="839788" y="365126"/>
+            <a:ext cx="10515600" cy="1316038"/>
           </a:xfrm>
         </p:spPr>
         <p:txBody>
@@ -1503,10 +1502,9 @@
           <a:lstStyle/>
           <a:p>
             <a:r>
-              <a:rPr lang="en-US"/>
+              <a:rPr lang="en-US" dirty="0"/>
               <a:t>Click to edit Master title style</a:t>
             </a:r>
-            <a:endParaRPr lang="en-US"/>
           </a:p>
         </p:txBody>
       </p:sp>
@@ -1527,11 +1525,13 @@
           </a:xfrm>
         </p:spPr>
         <p:txBody>
-          <a:bodyPr anchor="b"/>
+          <a:bodyPr anchor="ctr">
+            <a:normAutofit/>
+          </a:bodyPr>
           <a:lstStyle>
             <a:lvl1pPr marL="0" indent="0">
               <a:buNone/>
-              <a:defRPr sz="2400" b="1"/>
+              <a:defRPr sz="2800" b="1"/>
             </a:lvl1pPr>
             <a:lvl2pPr marL="457200" indent="0">
               <a:buNone/>
@@ -1569,7 +1569,7 @@
           <a:p>
             <a:pPr lvl="0"/>
             <a:r>
-              <a:rPr lang="en-US"/>
+              <a:rPr lang="en-US" dirty="0"/>
               <a:t>Edit Master text styles</a:t>
             </a:r>
           </a:p>
@@ -1587,8 +1587,8 @@
         </p:nvSpPr>
         <p:spPr>
           <a:xfrm>
-            <a:off x="839788" y="2505075"/>
-            <a:ext cx="5157787" cy="3684588"/>
+            <a:off x="839788" y="2671761"/>
+            <a:ext cx="5157787" cy="3517901"/>
           </a:xfrm>
         </p:spPr>
         <p:txBody>
@@ -1648,11 +1648,13 @@
           </a:xfrm>
         </p:spPr>
         <p:txBody>
-          <a:bodyPr anchor="b"/>
+          <a:bodyPr anchor="ctr">
+            <a:normAutofit/>
+          </a:bodyPr>
           <a:lstStyle>
             <a:lvl1pPr marL="0" indent="0">
               <a:buNone/>
-              <a:defRPr sz="2400" b="1"/>
+              <a:defRPr sz="2800" b="1"/>
             </a:lvl1pPr>
             <a:lvl2pPr marL="457200" indent="0">
               <a:buNone/>
@@ -1690,7 +1692,7 @@
           <a:p>
             <a:pPr lvl="0"/>
             <a:r>
-              <a:rPr lang="en-US"/>
+              <a:rPr lang="en-US" dirty="0"/>
               <a:t>Edit Master text styles</a:t>
             </a:r>
           </a:p>
@@ -1708,8 +1710,8 @@
         </p:nvSpPr>
         <p:spPr>
           <a:xfrm>
-            <a:off x="6172200" y="2505075"/>
-            <a:ext cx="5183188" cy="3684588"/>
+            <a:off x="6172200" y="2671761"/>
+            <a:ext cx="5183188" cy="3517902"/>
           </a:xfrm>
         </p:spPr>
         <p:txBody>
@@ -1718,38 +1720,37 @@
           <a:p>
             <a:pPr lvl="0"/>
             <a:r>
-              <a:rPr lang="en-US"/>
+              <a:rPr lang="en-US" dirty="0"/>
               <a:t>Edit Master text styles</a:t>
             </a:r>
           </a:p>
           <a:p>
             <a:pPr lvl="1"/>
             <a:r>
-              <a:rPr lang="en-US"/>
+              <a:rPr lang="en-US" dirty="0"/>
               <a:t>Second level</a:t>
             </a:r>
           </a:p>
           <a:p>
             <a:pPr lvl="2"/>
             <a:r>
-              <a:rPr lang="en-US"/>
+              <a:rPr lang="en-US" dirty="0"/>
               <a:t>Third level</a:t>
             </a:r>
           </a:p>
           <a:p>
             <a:pPr lvl="3"/>
             <a:r>
-              <a:rPr lang="en-US"/>
+              <a:rPr lang="en-US" dirty="0"/>
               <a:t>Fourth level</a:t>
             </a:r>
           </a:p>
           <a:p>
             <a:pPr lvl="4"/>
             <a:r>
-              <a:rPr lang="en-US"/>
+              <a:rPr lang="en-US" dirty="0"/>
               <a:t>Fifth level</a:t>
             </a:r>
-            <a:endParaRPr lang="en-US"/>
           </a:p>
         </p:txBody>
       </p:sp>
@@ -2086,10 +2087,9 @@
           </a:lstStyle>
           <a:p>
             <a:r>
-              <a:rPr lang="en-US"/>
+              <a:rPr lang="en-US" dirty="0"/>
               <a:t>Click to edit Master title style</a:t>
             </a:r>
-            <a:endParaRPr lang="en-US"/>
           </a:p>
         </p:txBody>
       </p:sp>
@@ -2622,10 +2622,9 @@
           <a:lstStyle/>
           <a:p>
             <a:r>
-              <a:rPr lang="en-US"/>
+              <a:rPr lang="en-US" dirty="0"/>
               <a:t>Click to edit Master title style</a:t>
             </a:r>
-            <a:endParaRPr lang="en-US"/>
           </a:p>
         </p:txBody>
       </p:sp>
@@ -2840,7 +2839,7 @@
           <a:spcPct val="0"/>
         </a:spcBef>
         <a:buNone/>
-        <a:defRPr sz="4400" kern="1200">
+        <a:defRPr sz="4400" b="1" kern="1200">
           <a:solidFill>
             <a:schemeClr val="tx1"/>
           </a:solidFill>
@@ -2853,14 +2852,17 @@
     <p:bodyStyle>
       <a:lvl1pPr marL="228600" indent="-228600" algn="l" defTabSz="914400" rtl="0" eaLnBrk="1" latinLnBrk="0" hangingPunct="1">
         <a:lnSpc>
-          <a:spcPct val="90000"/>
+          <a:spcPct val="80000"/>
         </a:lnSpc>
         <a:spcBef>
-          <a:spcPts val="1000"/>
+          <a:spcPts val="0"/>
         </a:spcBef>
+        <a:spcAft>
+          <a:spcPts val="1200"/>
+        </a:spcAft>
         <a:buFont typeface="Arial" panose="020B0604020202020204" pitchFamily="34" charset="0"/>
         <a:buChar char="•"/>
-        <a:defRPr sz="2800" kern="1200">
+        <a:defRPr sz="2800" kern="1200" spc="0" baseline="0">
           <a:solidFill>
             <a:schemeClr val="tx1"/>
           </a:solidFill>
@@ -2871,11 +2873,14 @@
       </a:lvl1pPr>
       <a:lvl2pPr marL="685800" indent="-228600" algn="l" defTabSz="914400" rtl="0" eaLnBrk="1" latinLnBrk="0" hangingPunct="1">
         <a:lnSpc>
-          <a:spcPct val="90000"/>
+          <a:spcPct val="80000"/>
         </a:lnSpc>
         <a:spcBef>
-          <a:spcPts val="500"/>
+          <a:spcPts val="0"/>
         </a:spcBef>
+        <a:spcAft>
+          <a:spcPts val="1200"/>
+        </a:spcAft>
         <a:buFont typeface="Arial" panose="020B0604020202020204" pitchFamily="34" charset="0"/>
         <a:buChar char="•"/>
         <a:defRPr sz="2400" kern="1200">
@@ -2889,11 +2894,14 @@
       </a:lvl2pPr>
       <a:lvl3pPr marL="1143000" indent="-228600" algn="l" defTabSz="914400" rtl="0" eaLnBrk="1" latinLnBrk="0" hangingPunct="1">
         <a:lnSpc>
-          <a:spcPct val="90000"/>
+          <a:spcPct val="80000"/>
         </a:lnSpc>
         <a:spcBef>
-          <a:spcPts val="500"/>
+          <a:spcPts val="0"/>
         </a:spcBef>
+        <a:spcAft>
+          <a:spcPts val="1200"/>
+        </a:spcAft>
         <a:buFont typeface="Arial" panose="020B0604020202020204" pitchFamily="34" charset="0"/>
         <a:buChar char="•"/>
         <a:defRPr sz="2000" kern="1200">
@@ -2907,11 +2915,14 @@
       </a:lvl3pPr>
       <a:lvl4pPr marL="1600200" indent="-228600" algn="l" defTabSz="914400" rtl="0" eaLnBrk="1" latinLnBrk="0" hangingPunct="1">
         <a:lnSpc>
-          <a:spcPct val="90000"/>
+          <a:spcPct val="80000"/>
         </a:lnSpc>
         <a:spcBef>
-          <a:spcPts val="500"/>
+          <a:spcPts val="0"/>
         </a:spcBef>
+        <a:spcAft>
+          <a:spcPts val="1200"/>
+        </a:spcAft>
         <a:buFont typeface="Arial" panose="020B0604020202020204" pitchFamily="34" charset="0"/>
         <a:buChar char="•"/>
         <a:defRPr sz="1800" kern="1200">
@@ -2925,11 +2936,14 @@
       </a:lvl4pPr>
       <a:lvl5pPr marL="2057400" indent="-228600" algn="l" defTabSz="914400" rtl="0" eaLnBrk="1" latinLnBrk="0" hangingPunct="1">
         <a:lnSpc>
-          <a:spcPct val="90000"/>
+          <a:spcPct val="80000"/>
         </a:lnSpc>
         <a:spcBef>
-          <a:spcPts val="500"/>
+          <a:spcPts val="0"/>
         </a:spcBef>
+        <a:spcAft>
+          <a:spcPts val="1200"/>
+        </a:spcAft>
         <a:buFont typeface="Arial" panose="020B0604020202020204" pitchFamily="34" charset="0"/>
         <a:buChar char="•"/>
         <a:defRPr sz="1800" kern="1200">
@@ -3222,7 +3236,7 @@
       </p:sp>
       <p:sp>
         <p:nvSpPr>
-          <p:cNvPr id="8" name="Text Placeholder 7"/>
+          <p:cNvPr id="4" name="Text Placeholder 3"/>
           <p:cNvSpPr>
             <a:spLocks noGrp="1"/>
           </p:cNvSpPr>
@@ -3237,14 +3251,14 @@
           <a:p>
             <a:r>
               <a:rPr lang="en-US" dirty="0"/>
-              <a:t>Pros:</a:t>
-            </a:r>
-          </a:p>
-        </p:txBody>
-      </p:sp>
-      <p:sp>
-        <p:nvSpPr>
-          <p:cNvPr id="3" name="Content Placeholder 2"/>
+              <a:t>Pros</a:t>
+            </a:r>
+          </a:p>
+        </p:txBody>
+      </p:sp>
+      <p:sp>
+        <p:nvSpPr>
+          <p:cNvPr id="5" name="Content Placeholder 4"/>
           <p:cNvSpPr>
             <a:spLocks noGrp="1"/>
           </p:cNvSpPr>
@@ -3254,88 +3268,408 @@
         </p:nvSpPr>
         <p:spPr/>
         <p:txBody>
-          <a:bodyPr>
-            <a:normAutofit/>
+          <a:bodyPr/>
+          <a:lstStyle/>
+          <a:p>
+            <a:r>
+              <a:rPr lang="en-US" dirty="0"/>
+              <a:t>Fast (constant) element access and insertion for head and tail</a:t>
+            </a:r>
+          </a:p>
+          <a:p>
+            <a:r>
+              <a:rPr lang="en-US" dirty="0"/>
+              <a:t>Bidirectional iterators</a:t>
+            </a:r>
+          </a:p>
+          <a:p>
+            <a:endParaRPr lang="en-US" dirty="0"/>
+          </a:p>
+        </p:txBody>
+      </p:sp>
+      <p:sp>
+        <p:nvSpPr>
+          <p:cNvPr id="6" name="Text Placeholder 5"/>
+          <p:cNvSpPr>
+            <a:spLocks noGrp="1"/>
+          </p:cNvSpPr>
+          <p:nvPr>
+            <p:ph type="body" sz="quarter" idx="3"/>
+          </p:nvPr>
+        </p:nvSpPr>
+        <p:spPr/>
+        <p:txBody>
+          <a:bodyPr/>
+          <a:lstStyle/>
+          <a:p>
+            <a:r>
+              <a:rPr lang="en-US" dirty="0"/>
+              <a:t>Cons</a:t>
+            </a:r>
+          </a:p>
+        </p:txBody>
+      </p:sp>
+      <p:sp>
+        <p:nvSpPr>
+          <p:cNvPr id="7" name="Content Placeholder 6"/>
+          <p:cNvSpPr>
+            <a:spLocks noGrp="1"/>
+          </p:cNvSpPr>
+          <p:nvPr>
+            <p:ph sz="quarter" idx="4"/>
+          </p:nvPr>
+        </p:nvSpPr>
+        <p:spPr/>
+        <p:txBody>
+          <a:bodyPr/>
+          <a:lstStyle/>
+          <a:p>
+            <a:r>
+              <a:rPr lang="en-US" dirty="0"/>
+              <a:t>Large size overhead (next and previous pointers for each node)</a:t>
+            </a:r>
+          </a:p>
+        </p:txBody>
+      </p:sp>
+      <p:sp>
+        <p:nvSpPr>
+          <p:cNvPr id="8" name="TextBox 7"/>
+          <p:cNvSpPr txBox="1"/>
+          <p:nvPr/>
+        </p:nvSpPr>
+        <p:spPr>
+          <a:xfrm>
+            <a:off x="839788" y="5448300"/>
+            <a:ext cx="10515600" cy="1200329"/>
+          </a:xfrm>
+          <a:prstGeom prst="rect">
+            <a:avLst/>
+          </a:prstGeom>
+          <a:noFill/>
+        </p:spPr>
+        <p:txBody>
+          <a:bodyPr wrap="square" rtlCol="0">
+            <a:spAutoFit/>
           </a:bodyPr>
           <a:lstStyle/>
           <a:p>
-            <a:pPr>
-              <a:lnSpc>
-                <a:spcPct val="100000"/>
-              </a:lnSpc>
-            </a:pPr>
-            <a:r>
-              <a:rPr lang="en-US" sz="2400" dirty="0"/>
-              <a:t>Fast element insertion at head and tail</a:t>
-            </a:r>
-          </a:p>
-          <a:p>
-            <a:pPr>
-              <a:lnSpc>
-                <a:spcPct val="100000"/>
-              </a:lnSpc>
-            </a:pPr>
-            <a:r>
-              <a:rPr lang="en-US" sz="2400"/>
-              <a:t>Bidirectional iteration</a:t>
-            </a:r>
-          </a:p>
-        </p:txBody>
-      </p:sp>
-      <p:sp>
-        <p:nvSpPr>
-          <p:cNvPr id="9" name="Text Placeholder 8"/>
-          <p:cNvSpPr>
-            <a:spLocks noGrp="1"/>
-          </p:cNvSpPr>
-          <p:nvPr>
-            <p:ph type="body" sz="quarter" idx="3"/>
-          </p:nvPr>
-        </p:nvSpPr>
-        <p:spPr/>
-        <p:txBody>
-          <a:bodyPr/>
-          <a:lstStyle/>
-          <a:p>
-            <a:r>
-              <a:rPr lang="en-US" dirty="0"/>
-              <a:t>Cons:</a:t>
-            </a:r>
-          </a:p>
-        </p:txBody>
-      </p:sp>
-      <p:sp>
-        <p:nvSpPr>
-          <p:cNvPr id="10" name="Content Placeholder 9"/>
-          <p:cNvSpPr>
-            <a:spLocks noGrp="1"/>
-          </p:cNvSpPr>
-          <p:nvPr>
-            <p:ph sz="quarter" idx="4"/>
-          </p:nvPr>
-        </p:nvSpPr>
-        <p:spPr/>
-        <p:txBody>
-          <a:bodyPr/>
-          <a:lstStyle/>
-          <a:p>
-            <a:r>
-              <a:rPr lang="en-US" dirty="0"/>
-              <a:t>Much higher size overhead (next and previous pointer for every node)</a:t>
-            </a:r>
-          </a:p>
-          <a:p>
-            <a:pPr marL="0" indent="0">
-              <a:buNone/>
-            </a:pPr>
-            <a:endParaRPr lang="en-US" dirty="0"/>
+            <a:pPr algn="ctr"/>
+            <a:r>
+              <a:rPr lang="en-US" sz="3600" dirty="0"/>
+              <a:t>There is a way to make linked lists that improves the doubly-linked methodology</a:t>
+            </a:r>
           </a:p>
         </p:txBody>
       </p:sp>
     </p:spTree>
     <p:extLst>
       <p:ext uri="{BB962C8B-B14F-4D97-AF65-F5344CB8AC3E}">
-        <p14:creationId xmlns:p14="http://schemas.microsoft.com/office/powerpoint/2010/main" val="2404731932"/>
+        <p14:creationId xmlns:p14="http://schemas.microsoft.com/office/powerpoint/2010/main" val="3966048507"/>
+      </p:ext>
+    </p:extLst>
+  </p:cSld>
+  <p:clrMapOvr>
+    <a:masterClrMapping/>
+  </p:clrMapOvr>
+</p:sld>
+</file>
+
+<file path=ppt/slides/slide3.xml><?xml version="1.0" encoding="utf-8"?>
+<p:sld xmlns:a="http://schemas.openxmlformats.org/drawingml/2006/main" xmlns:r="http://schemas.openxmlformats.org/officeDocument/2006/relationships" xmlns:p="http://schemas.openxmlformats.org/presentationml/2006/main">
+  <p:cSld>
+    <p:spTree>
+      <p:nvGrpSpPr>
+        <p:cNvPr id="1" name=""/>
+        <p:cNvGrpSpPr/>
+        <p:nvPr/>
+      </p:nvGrpSpPr>
+      <p:grpSpPr>
+        <a:xfrm>
+          <a:off x="0" y="0"/>
+          <a:ext cx="0" cy="0"/>
+          <a:chOff x="0" y="0"/>
+          <a:chExt cx="0" cy="0"/>
+        </a:xfrm>
+      </p:grpSpPr>
+      <p:sp>
+        <p:nvSpPr>
+          <p:cNvPr id="2" name="Title 1"/>
+          <p:cNvSpPr>
+            <a:spLocks noGrp="1"/>
+          </p:cNvSpPr>
+          <p:nvPr>
+            <p:ph type="title"/>
+          </p:nvPr>
+        </p:nvSpPr>
+        <p:spPr/>
+        <p:txBody>
+          <a:bodyPr/>
+          <a:lstStyle/>
+          <a:p>
+            <a:r>
+              <a:rPr lang="en-US" dirty="0"/>
+              <a:t>Circular Linked Lists</a:t>
+            </a:r>
+          </a:p>
+        </p:txBody>
+      </p:sp>
+      <p:sp>
+        <p:nvSpPr>
+          <p:cNvPr id="3" name="Text Placeholder 2"/>
+          <p:cNvSpPr>
+            <a:spLocks noGrp="1"/>
+          </p:cNvSpPr>
+          <p:nvPr>
+            <p:ph type="body" idx="1"/>
+          </p:nvPr>
+        </p:nvSpPr>
+        <p:spPr/>
+        <p:txBody>
+          <a:bodyPr/>
+          <a:lstStyle/>
+          <a:p>
+            <a:r>
+              <a:rPr lang="en-US" dirty="0"/>
+              <a:t>Pros</a:t>
+            </a:r>
+          </a:p>
+        </p:txBody>
+      </p:sp>
+      <p:sp>
+        <p:nvSpPr>
+          <p:cNvPr id="4" name="Content Placeholder 3"/>
+          <p:cNvSpPr>
+            <a:spLocks noGrp="1"/>
+          </p:cNvSpPr>
+          <p:nvPr>
+            <p:ph sz="half" idx="2"/>
+          </p:nvPr>
+        </p:nvSpPr>
+        <p:spPr/>
+        <p:txBody>
+          <a:bodyPr/>
+          <a:lstStyle/>
+          <a:p>
+            <a:r>
+              <a:rPr lang="en-US" dirty="0"/>
+              <a:t>Fast (constant) element access, insertion, and removal at head and tail</a:t>
+            </a:r>
+          </a:p>
+          <a:p>
+            <a:r>
+              <a:rPr lang="en-US" dirty="0"/>
+              <a:t>Smaller size overhead than doubly-linked lists (each node only has data and one ‘next’ pointer)</a:t>
+            </a:r>
+          </a:p>
+          <a:p>
+            <a:endParaRPr lang="en-US" dirty="0"/>
+          </a:p>
+        </p:txBody>
+      </p:sp>
+      <p:sp>
+        <p:nvSpPr>
+          <p:cNvPr id="5" name="Text Placeholder 4"/>
+          <p:cNvSpPr>
+            <a:spLocks noGrp="1"/>
+          </p:cNvSpPr>
+          <p:nvPr>
+            <p:ph type="body" sz="quarter" idx="3"/>
+          </p:nvPr>
+        </p:nvSpPr>
+        <p:spPr/>
+        <p:txBody>
+          <a:bodyPr/>
+          <a:lstStyle/>
+          <a:p>
+            <a:r>
+              <a:rPr lang="en-US" dirty="0"/>
+              <a:t>Cons</a:t>
+            </a:r>
+          </a:p>
+        </p:txBody>
+      </p:sp>
+      <p:sp>
+        <p:nvSpPr>
+          <p:cNvPr id="6" name="Content Placeholder 5"/>
+          <p:cNvSpPr>
+            <a:spLocks noGrp="1"/>
+          </p:cNvSpPr>
+          <p:nvPr>
+            <p:ph sz="quarter" idx="4"/>
+          </p:nvPr>
+        </p:nvSpPr>
+        <p:spPr/>
+        <p:txBody>
+          <a:bodyPr/>
+          <a:lstStyle/>
+          <a:p>
+            <a:r>
+              <a:rPr lang="en-US" dirty="0"/>
+              <a:t>Small size overhead due to sentinel node</a:t>
+            </a:r>
+          </a:p>
+          <a:p>
+            <a:r>
+              <a:rPr lang="en-US" dirty="0"/>
+              <a:t>Forward directional iterator only (but it doesn’t especially matter due to the properties of circular linked lists)</a:t>
+            </a:r>
+          </a:p>
+        </p:txBody>
+      </p:sp>
+    </p:spTree>
+    <p:extLst>
+      <p:ext uri="{BB962C8B-B14F-4D97-AF65-F5344CB8AC3E}">
+        <p14:creationId xmlns:p14="http://schemas.microsoft.com/office/powerpoint/2010/main" val="3783894450"/>
+      </p:ext>
+    </p:extLst>
+  </p:cSld>
+  <p:clrMapOvr>
+    <a:masterClrMapping/>
+  </p:clrMapOvr>
+</p:sld>
+</file>
+
+<file path=ppt/slides/slide4.xml><?xml version="1.0" encoding="utf-8"?>
+<p:sld xmlns:a="http://schemas.openxmlformats.org/drawingml/2006/main" xmlns:r="http://schemas.openxmlformats.org/officeDocument/2006/relationships" xmlns:p="http://schemas.openxmlformats.org/presentationml/2006/main">
+  <p:cSld>
+    <p:spTree>
+      <p:nvGrpSpPr>
+        <p:cNvPr id="1" name=""/>
+        <p:cNvGrpSpPr/>
+        <p:nvPr/>
+      </p:nvGrpSpPr>
+      <p:grpSpPr>
+        <a:xfrm>
+          <a:off x="0" y="0"/>
+          <a:ext cx="0" cy="0"/>
+          <a:chOff x="0" y="0"/>
+          <a:chExt cx="0" cy="0"/>
+        </a:xfrm>
+      </p:grpSpPr>
+      <p:sp>
+        <p:nvSpPr>
+          <p:cNvPr id="7" name="Title 6"/>
+          <p:cNvSpPr>
+            <a:spLocks noGrp="1"/>
+          </p:cNvSpPr>
+          <p:nvPr>
+            <p:ph type="title"/>
+          </p:nvPr>
+        </p:nvSpPr>
+        <p:spPr/>
+        <p:txBody>
+          <a:bodyPr/>
+          <a:lstStyle/>
+          <a:p>
+            <a:r>
+              <a:rPr lang="en-US" dirty="0"/>
+              <a:t>Circular Linked List Features</a:t>
+            </a:r>
+          </a:p>
+        </p:txBody>
+      </p:sp>
+      <p:sp>
+        <p:nvSpPr>
+          <p:cNvPr id="8" name="Content Placeholder 7"/>
+          <p:cNvSpPr>
+            <a:spLocks noGrp="1"/>
+          </p:cNvSpPr>
+          <p:nvPr>
+            <p:ph idx="1"/>
+          </p:nvPr>
+        </p:nvSpPr>
+        <p:spPr/>
+        <p:txBody>
+          <a:bodyPr/>
+          <a:lstStyle/>
+          <a:p>
+            <a:pPr marL="0" indent="0">
+              <a:buNone/>
+            </a:pPr>
+            <a:endParaRPr lang="en-US" dirty="0"/>
+          </a:p>
+        </p:txBody>
+      </p:sp>
+    </p:spTree>
+    <p:extLst>
+      <p:ext uri="{BB962C8B-B14F-4D97-AF65-F5344CB8AC3E}">
+        <p14:creationId xmlns:p14="http://schemas.microsoft.com/office/powerpoint/2010/main" val="3442338276"/>
+      </p:ext>
+    </p:extLst>
+  </p:cSld>
+  <p:clrMapOvr>
+    <a:masterClrMapping/>
+  </p:clrMapOvr>
+</p:sld>
+</file>
+
+<file path=ppt/slides/slide5.xml><?xml version="1.0" encoding="utf-8"?>
+<p:sld xmlns:a="http://schemas.openxmlformats.org/drawingml/2006/main" xmlns:r="http://schemas.openxmlformats.org/officeDocument/2006/relationships" xmlns:p="http://schemas.openxmlformats.org/presentationml/2006/main">
+  <p:cSld>
+    <p:spTree>
+      <p:nvGrpSpPr>
+        <p:cNvPr id="1" name=""/>
+        <p:cNvGrpSpPr/>
+        <p:nvPr/>
+      </p:nvGrpSpPr>
+      <p:grpSpPr>
+        <a:xfrm>
+          <a:off x="0" y="0"/>
+          <a:ext cx="0" cy="0"/>
+          <a:chOff x="0" y="0"/>
+          <a:chExt cx="0" cy="0"/>
+        </a:xfrm>
+      </p:grpSpPr>
+      <p:sp>
+        <p:nvSpPr>
+          <p:cNvPr id="2" name="Title 1"/>
+          <p:cNvSpPr>
+            <a:spLocks noGrp="1"/>
+          </p:cNvSpPr>
+          <p:nvPr>
+            <p:ph type="title"/>
+          </p:nvPr>
+        </p:nvSpPr>
+        <p:spPr/>
+        <p:txBody>
+          <a:bodyPr/>
+          <a:lstStyle/>
+          <a:p>
+            <a:r>
+              <a:rPr lang="en-US" dirty="0"/>
+              <a:t>Circular Linked </a:t>
+            </a:r>
+            <a:r>
+              <a:rPr lang="en-US"/>
+              <a:t>List Structure</a:t>
+            </a:r>
+            <a:endParaRPr lang="en-US"/>
+          </a:p>
+        </p:txBody>
+      </p:sp>
+      <p:sp>
+        <p:nvSpPr>
+          <p:cNvPr id="3" name="Content Placeholder 2"/>
+          <p:cNvSpPr>
+            <a:spLocks noGrp="1"/>
+          </p:cNvSpPr>
+          <p:nvPr>
+            <p:ph idx="1"/>
+          </p:nvPr>
+        </p:nvSpPr>
+        <p:spPr/>
+        <p:txBody>
+          <a:bodyPr/>
+          <a:lstStyle/>
+          <a:p>
+            <a:endParaRPr lang="en-US"/>
+          </a:p>
+        </p:txBody>
+      </p:sp>
+    </p:spTree>
+    <p:extLst>
+      <p:ext uri="{BB962C8B-B14F-4D97-AF65-F5344CB8AC3E}">
+        <p14:creationId xmlns:p14="http://schemas.microsoft.com/office/powerpoint/2010/main" val="1652357651"/>
       </p:ext>
     </p:extLst>
   </p:cSld>
